--- a/クリエイティブ/171207/伊藤園.pptx
+++ b/クリエイティブ/171207/伊藤園.pptx
@@ -3990,14 +3990,14 @@
           <p:nvPr>
             <p:extLst>
               <p:ext uri="{D42A27DB-BD31-4B8C-83A1-F6EECF244321}">
-                <p14:modId xmlns:p14="http://schemas.microsoft.com/office/powerpoint/2010/main" val="1308805646"/>
+                <p14:modId xmlns:p14="http://schemas.microsoft.com/office/powerpoint/2010/main" val="204255390"/>
               </p:ext>
             </p:extLst>
           </p:nvPr>
         </p:nvGraphicFramePr>
         <p:xfrm>
           <a:off x="338203" y="1283337"/>
-          <a:ext cx="11446006" cy="4754880"/>
+          <a:ext cx="11446006" cy="4511040"/>
         </p:xfrm>
         <a:graphic>
           <a:graphicData uri="http://schemas.openxmlformats.org/drawingml/2006/table">
@@ -4133,7 +4133,7 @@
                           </a:solidFill>
                           <a:effectLst/>
                         </a:rPr>
-                        <a:t>紙面全体を「タイトル、商品写真、商品紹介文」と３分割することで情報を整理する。</a:t>
+                        <a:t>紙面全体を「タイトル、商品写真、商品紹介文」と３分割することで情報を整理します。</a:t>
                       </a:r>
                       <a:endParaRPr lang="en-US" altLang="ja-JP" sz="1600" b="0" dirty="0" smtClean="0">
                         <a:solidFill>
@@ -4150,7 +4150,7 @@
                           </a:solidFill>
                           <a:effectLst/>
                         </a:rPr>
-                        <a:t>中央のゾーンに商品写真を配置することで、新商品を強調し、その下のゾーンに写真に対応するように紹介文を入れることで商品と紹介文の関連性が強まり、商品の良さを伝えることができる。</a:t>
+                        <a:t>中央のゾーンに商品写真を配置することで、新商品を強調し、その下のゾーンは写真に対応するように紹介文を入れることで商品と紹介文の関連性を強め、商品の良さを伝えることができます。</a:t>
                       </a:r>
                       <a:endParaRPr lang="en-US" altLang="ja-JP" sz="1600" b="0" dirty="0" smtClean="0">
                         <a:solidFill>
@@ -4307,7 +4307,7 @@
                         <a:rPr lang="ja-JP" altLang="en-US" sz="1600" b="0" dirty="0" smtClean="0">
                           <a:effectLst/>
                         </a:rPr>
-                        <a:t>ベースに落ち着いた色を使用することで、伊藤園らしい優しい印象を与えるとともに、商品の写真を目立たせることができる。</a:t>
+                        <a:t>ベースに落ち着いた色を使用することで、伊藤園らしい優しい印象を与えるとともに、商品の写真を目立たせることができます。</a:t>
                       </a:r>
                       <a:endParaRPr lang="en-US" altLang="ja-JP" sz="1600" b="0" dirty="0" smtClean="0">
                         <a:effectLst/>
@@ -4318,7 +4318,7 @@
                         <a:rPr lang="ja-JP" altLang="en-US" sz="1600" b="0" dirty="0" smtClean="0">
                           <a:effectLst/>
                         </a:rPr>
-                        <a:t>また、部分的にお茶を連想させるグリーンを使用することでポイントを強調することができる。</a:t>
+                        <a:t>また、部分的にお茶を連想させるグリーンを使用することでポイントを強調することができます。</a:t>
                       </a:r>
                       <a:endParaRPr lang="ja-JP" altLang="en-US" sz="1600" b="0" dirty="0">
                         <a:effectLst/>
@@ -4466,7 +4466,7 @@
                         <a:rPr lang="ja-JP" altLang="en-US" sz="1600" b="0" dirty="0" smtClean="0">
                           <a:effectLst/>
                         </a:rPr>
-                        <a:t>縦長で細身の書体を使い、やわらかくスッキリした印象にする。</a:t>
+                        <a:t>縦長で細身の書体を使い、やわらかくスッキリした印象に仕上げます。</a:t>
                       </a:r>
                       <a:endParaRPr lang="en-US" altLang="ja-JP" sz="1600" b="0" dirty="0" smtClean="0">
                         <a:effectLst/>
@@ -4477,7 +4477,7 @@
                         <a:rPr lang="ja-JP" altLang="en-US" sz="1600" b="0" dirty="0" smtClean="0">
                           <a:effectLst/>
                         </a:rPr>
-                        <a:t>また、文字を波状に組むことで、水の流れを表現でき、商品イメージにあったタイトルになる。</a:t>
+                        <a:t>また、文字を波状に組むことで、水の流れを表現でき、商品イメージにあったタイトルになります。</a:t>
                       </a:r>
                       <a:endParaRPr lang="en-US" altLang="ja-JP" sz="1600" b="0" dirty="0" smtClean="0">
                         <a:effectLst/>
@@ -4488,7 +4488,7 @@
                         <a:rPr lang="ja-JP" altLang="en-US" sz="1600" b="0" dirty="0" smtClean="0">
                           <a:effectLst/>
                         </a:rPr>
-                        <a:t>さらに、テキストだけでなく、新商品のフレッシュなイメージを表現するようなロゴを作成する。</a:t>
+                        <a:t>さらに、テキストだけでなく、新商品のフレッシュなイメージを表現するようなロゴを作成します。</a:t>
                       </a:r>
                       <a:endParaRPr lang="en-US" altLang="ja-JP" sz="1600" b="0" dirty="0" smtClean="0">
                         <a:effectLst/>
@@ -4702,7 +4702,7 @@
                         <a:rPr lang="ja-JP" altLang="en-US" sz="1600" b="0" dirty="0" smtClean="0">
                           <a:effectLst/>
                         </a:rPr>
-                        <a:t>背景にトーンを入れることで、写真にまとまりを出し、撮影写真のような奥行きを演出する。</a:t>
+                        <a:t>背景にトーンを入れることで、写真全体に統一感が出て、撮影写真のような奥行きを演出します。</a:t>
                       </a:r>
                       <a:endParaRPr lang="en-US" altLang="ja-JP" sz="1600" b="0" dirty="0" smtClean="0">
                         <a:effectLst/>
@@ -4713,7 +4713,7 @@
                         <a:rPr lang="ja-JP" altLang="en-US" sz="1600" b="0" dirty="0" smtClean="0">
                           <a:effectLst/>
                         </a:rPr>
-                        <a:t>新商品のラインナップとして商品全体の魅力を最大限に活かすことができる一方、撮影の仕方によっては、商品ごとの見え方に差が生まれる可能性があります。</a:t>
+                        <a:t>新商品のラインナップとして商品全体の魅力を最大限に活かすことのできる撮影方法です。</a:t>
                       </a:r>
                       <a:endParaRPr lang="ja-JP" altLang="en-US" sz="1600" b="0" dirty="0">
                         <a:effectLst/>
@@ -5151,7 +5151,7 @@
           <p:nvPr>
             <p:extLst>
               <p:ext uri="{D42A27DB-BD31-4B8C-83A1-F6EECF244321}">
-                <p14:modId xmlns:p14="http://schemas.microsoft.com/office/powerpoint/2010/main" val="1247547778"/>
+                <p14:modId xmlns:p14="http://schemas.microsoft.com/office/powerpoint/2010/main" val="1658992715"/>
               </p:ext>
             </p:extLst>
           </p:nvPr>
@@ -5294,7 +5294,7 @@
                           </a:solidFill>
                           <a:effectLst/>
                         </a:rPr>
-                        <a:t>紙面全体を「タイトル、商品写真、商品紹介文」と３分割することで情報を整理する。</a:t>
+                        <a:t>紙面全体を「タイトル、商品写真、商品紹介文」と３分割することで情報を整理します。</a:t>
                       </a:r>
                       <a:endParaRPr lang="en-US" altLang="ja-JP" sz="1600" b="0" dirty="0" smtClean="0">
                         <a:solidFill>
@@ -5311,7 +5311,7 @@
                           </a:solidFill>
                           <a:effectLst/>
                         </a:rPr>
-                        <a:t>中央のゾーンに商品写真を配置することで、新商品を強調し、その下のゾーンに写真に対応するように紹介文を入れることで商品と紹介文の関連性が強まり、商品の良さを伝えることができる。</a:t>
+                        <a:t>中央のゾーンに商品写真を配置することで、新商品を強調し、その下のゾーンは写真に対応するように紹介文を入れることで商品と紹介文の関連性を強め、商品の良さを伝えることができます。</a:t>
                       </a:r>
                       <a:endParaRPr lang="en-US" altLang="ja-JP" sz="1600" b="0" dirty="0" smtClean="0">
                         <a:solidFill>
@@ -5613,51 +5613,51 @@
                     <a:lstStyle/>
                     <a:p>
                       <a:r>
-                        <a:rPr lang="ja-JP" altLang="en-US" sz="1600" b="0" dirty="0" smtClean="0">
+                        <a:rPr lang="ja-JP" altLang="en-US" sz="1600" b="0" smtClean="0">
                           <a:effectLst/>
                         </a:rPr>
                         <a:t>現状、サンリフの太めの書体と、その下の手書き風の細い書体がアンバランスな印象。</a:t>
                       </a:r>
-                      <a:endParaRPr lang="en-US" altLang="ja-JP" sz="1600" b="0" dirty="0" smtClean="0">
+                      <a:endParaRPr lang="en-US" altLang="ja-JP" sz="1600" b="0" smtClean="0">
                         <a:effectLst/>
                       </a:endParaRPr>
                     </a:p>
                     <a:p>
                       <a:r>
-                        <a:rPr lang="ja-JP" altLang="en-US" sz="1600" b="0" dirty="0" smtClean="0">
+                        <a:rPr lang="ja-JP" altLang="en-US" sz="1600" b="0" smtClean="0">
                           <a:effectLst/>
                         </a:rPr>
-                        <a:t>縦長で細身の書体を使い、やわらかくスッキリした印象にする。</a:t>
+                        <a:t>縦長で細身の書体を使い、やわらかくスッキリした印象に仕上げます。</a:t>
                       </a:r>
-                      <a:endParaRPr lang="en-US" altLang="ja-JP" sz="1600" b="0" dirty="0" smtClean="0">
+                      <a:endParaRPr lang="en-US" altLang="ja-JP" sz="1600" b="0" smtClean="0">
                         <a:effectLst/>
                       </a:endParaRPr>
                     </a:p>
                     <a:p>
                       <a:r>
-                        <a:rPr lang="ja-JP" altLang="en-US" sz="1600" b="0" dirty="0" smtClean="0">
+                        <a:rPr lang="ja-JP" altLang="en-US" sz="1600" b="0" smtClean="0">
                           <a:effectLst/>
                         </a:rPr>
-                        <a:t>また、文字を波状に組むことで、水の流れを表現でき、商品イメージにあったタイトルになる。</a:t>
+                        <a:t>また、文字を波状に組むことで、水の流れを表現でき、商品イメージにあったタイトルになります。</a:t>
                       </a:r>
-                      <a:endParaRPr lang="en-US" altLang="ja-JP" sz="1600" b="0" dirty="0" smtClean="0">
+                      <a:endParaRPr lang="en-US" altLang="ja-JP" sz="1600" b="0" smtClean="0">
                         <a:effectLst/>
                       </a:endParaRPr>
                     </a:p>
                     <a:p>
                       <a:r>
-                        <a:rPr lang="ja-JP" altLang="en-US" sz="1600" b="0" dirty="0" smtClean="0">
+                        <a:rPr lang="ja-JP" altLang="en-US" sz="1600" b="0" smtClean="0">
                           <a:effectLst/>
                         </a:rPr>
-                        <a:t>さらに、テキストだけでなく、新商品のフレッシュなイメージを表現するようなロゴを作成する。</a:t>
+                        <a:t>さらに、テキストだけでなく、新商品のフレッシュなイメージを表現するようなロゴを作成します。</a:t>
                       </a:r>
-                      <a:endParaRPr lang="en-US" altLang="ja-JP" sz="1600" b="0" dirty="0" smtClean="0">
+                      <a:endParaRPr lang="en-US" altLang="ja-JP" sz="1600" b="0" smtClean="0">
                         <a:effectLst/>
                       </a:endParaRPr>
                     </a:p>
                     <a:p>
                       <a:r>
-                        <a:rPr lang="ja-JP" altLang="en-US" sz="1600" b="0" dirty="0" smtClean="0">
+                        <a:rPr lang="ja-JP" altLang="en-US" sz="1600" b="0" smtClean="0">
                           <a:effectLst/>
                         </a:rPr>
                         <a:t>＊テキストは従来のままだが、こうすることで印象が大きく変化する。</a:t>
@@ -5874,19 +5874,7 @@
                         <a:rPr lang="ja-JP" altLang="en-US" sz="1600" b="0" dirty="0" smtClean="0">
                           <a:effectLst/>
                         </a:rPr>
-                        <a:t>一方</a:t>
-                      </a:r>
-                      <a:r>
-                        <a:rPr lang="ja-JP" altLang="en-US" sz="1600" b="0" smtClean="0">
-                          <a:effectLst/>
-                        </a:rPr>
-                        <a:t>で、商品を個別に撮影</a:t>
-                      </a:r>
-                      <a:r>
-                        <a:rPr lang="ja-JP" altLang="en-US" sz="1600" b="0" dirty="0" smtClean="0">
-                          <a:effectLst/>
-                        </a:rPr>
-                        <a:t>をすることにより、商品の見え方に差が生まれる可能性があるため、一番下のゾーンにある紹介文の横に商品写真を小さく配置します。</a:t>
+                        <a:t>一方で、商品を個別に撮影をすることにより、商品の見え方に差が生まれる可能性があるため、一番下のゾーンにある紹介文の横に商品写真を小さく配置します。</a:t>
                       </a:r>
                       <a:endParaRPr lang="en-US" altLang="ja-JP" sz="1600" b="0" dirty="0" smtClean="0">
                         <a:effectLst/>
